--- a/test/ShapeCrawler.Tests.Unit/Resource/019.pptx
+++ b/test/ShapeCrawler.Tests.Unit/Resource/019.pptx
@@ -163,7 +163,7 @@
 <file path=ppt/charts/chart1.xml><?xml version="1.0" encoding="utf-8"?>
 <c:chartSpace xmlns:c="http://schemas.openxmlformats.org/drawingml/2006/chart" xmlns:a="http://schemas.openxmlformats.org/drawingml/2006/main" xmlns:r="http://schemas.openxmlformats.org/officeDocument/2006/relationships" xmlns:c16r2="http://schemas.microsoft.com/office/drawing/2015/06/chart">
   <c:date1904 val="0"/>
-  <c:lang val="ru-RU"/>
+  <c:lang val="en-US"/>
   <c:roundedCorners val="0"/>
   <mc:AlternateContent xmlns:mc="http://schemas.openxmlformats.org/markup-compatibility/2006">
     <mc:Choice xmlns:c14="http://schemas.microsoft.com/office/drawing/2007/8/2/chart" Requires="c14">
@@ -230,7 +230,7 @@
               <a:cs typeface="+mn-cs"/>
             </a:defRPr>
           </a:pPr>
-          <a:endParaRPr lang="ru-UA"/>
+          <a:endParaRPr lang="en-US"/>
         </a:p>
       </c:txPr>
     </c:title>
@@ -426,7 +426,7 @@
               <a:cs typeface="+mn-cs"/>
             </a:defRPr>
           </a:pPr>
-          <a:endParaRPr lang="ru-UA"/>
+          <a:endParaRPr lang="en-US"/>
         </a:p>
       </c:txPr>
     </c:legend>
@@ -455,7 +455,7 @@
       <a:pPr>
         <a:defRPr/>
       </a:pPr>
-      <a:endParaRPr lang="ru-UA"/>
+      <a:endParaRPr lang="en-US"/>
     </a:p>
   </c:txPr>
   <c:externalData r:id="rId3">
@@ -1130,7 +1130,7 @@
               <a:pPr>
                 <a:defRPr/>
               </a:pPr>
-              <a:t>26.02.2020</a:t>
+              <a:t>23.04.2023</a:t>
             </a:fld>
             <a:endParaRPr lang="ru-RU"/>
           </a:p>
@@ -2058,7 +2058,7 @@
             </a:pPr>
             <a:fld id="{A27C6C47-F513-4D05-B98E-F3D5B37328A0}" type="datetime1">
               <a:rPr lang="ru-RU" smtClean="0"/>
-              <a:t>26.02.2020</a:t>
+              <a:t>23.04.2023</a:t>
             </a:fld>
             <a:endParaRPr lang="ru-RU"/>
           </a:p>
@@ -2418,7 +2418,7 @@
             </a:pPr>
             <a:fld id="{D682EB45-AA6E-47D4-81C6-B0F5BB9DBA22}" type="datetime1">
               <a:rPr lang="ru-RU" smtClean="0"/>
-              <a:t>26.02.2020</a:t>
+              <a:t>23.04.2023</a:t>
             </a:fld>
             <a:endParaRPr lang="ru-RU"/>
           </a:p>
@@ -3006,7 +3006,7 @@
       </p:sp>
       <p:graphicFrame>
         <p:nvGraphicFramePr>
-          <p:cNvPr id="4" name="Диаграмма 3">
+          <p:cNvPr id="4" name="Pie Chart 1">
             <a:extLst>
               <a:ext uri="{FF2B5EF4-FFF2-40B4-BE49-F238E27FC236}">
                 <a16:creationId xmlns:a16="http://schemas.microsoft.com/office/drawing/2014/main" id="{CB7E338C-D80E-4632-91DC-F68D9139D1FC}"/>
@@ -3017,7 +3017,7 @@
           <p:nvPr>
             <p:extLst>
               <p:ext uri="{D42A27DB-BD31-4B8C-83A1-F6EECF244321}">
-                <p14:modId xmlns:p14="http://schemas.microsoft.com/office/powerpoint/2010/main" val="1853416977"/>
+                <p14:modId xmlns:p14="http://schemas.microsoft.com/office/powerpoint/2010/main" val="2312179631"/>
               </p:ext>
             </p:extLst>
           </p:nvPr>
